--- a/Module 6 Interrupt.pptx
+++ b/Module 6 Interrupt.pptx
@@ -5,7 +5,7 @@
     <p:sldMasterId id="2147483660" r:id="rId1"/>
   </p:sldMasterIdLst>
   <p:notesMasterIdLst>
-    <p:notesMasterId r:id="rId36"/>
+    <p:notesMasterId r:id="rId39"/>
   </p:notesMasterIdLst>
   <p:sldIdLst>
     <p:sldId id="256" r:id="rId2"/>
@@ -17,31 +17,34 @@
     <p:sldId id="262" r:id="rId8"/>
     <p:sldId id="263" r:id="rId9"/>
     <p:sldId id="264" r:id="rId10"/>
-    <p:sldId id="289" r:id="rId11"/>
-    <p:sldId id="265" r:id="rId12"/>
-    <p:sldId id="266" r:id="rId13"/>
-    <p:sldId id="267" r:id="rId14"/>
-    <p:sldId id="268" r:id="rId15"/>
-    <p:sldId id="269" r:id="rId16"/>
-    <p:sldId id="270" r:id="rId17"/>
-    <p:sldId id="271" r:id="rId18"/>
-    <p:sldId id="272" r:id="rId19"/>
-    <p:sldId id="274" r:id="rId20"/>
-    <p:sldId id="275" r:id="rId21"/>
-    <p:sldId id="273" r:id="rId22"/>
-    <p:sldId id="276" r:id="rId23"/>
-    <p:sldId id="277" r:id="rId24"/>
-    <p:sldId id="278" r:id="rId25"/>
-    <p:sldId id="279" r:id="rId26"/>
-    <p:sldId id="280" r:id="rId27"/>
-    <p:sldId id="281" r:id="rId28"/>
-    <p:sldId id="282" r:id="rId29"/>
-    <p:sldId id="283" r:id="rId30"/>
-    <p:sldId id="284" r:id="rId31"/>
-    <p:sldId id="286" r:id="rId32"/>
-    <p:sldId id="285" r:id="rId33"/>
-    <p:sldId id="287" r:id="rId34"/>
-    <p:sldId id="288" r:id="rId35"/>
+    <p:sldId id="265" r:id="rId11"/>
+    <p:sldId id="266" r:id="rId12"/>
+    <p:sldId id="267" r:id="rId13"/>
+    <p:sldId id="268" r:id="rId14"/>
+    <p:sldId id="269" r:id="rId15"/>
+    <p:sldId id="289" r:id="rId16"/>
+    <p:sldId id="292" r:id="rId17"/>
+    <p:sldId id="290" r:id="rId18"/>
+    <p:sldId id="291" r:id="rId19"/>
+    <p:sldId id="270" r:id="rId20"/>
+    <p:sldId id="271" r:id="rId21"/>
+    <p:sldId id="272" r:id="rId22"/>
+    <p:sldId id="274" r:id="rId23"/>
+    <p:sldId id="275" r:id="rId24"/>
+    <p:sldId id="273" r:id="rId25"/>
+    <p:sldId id="276" r:id="rId26"/>
+    <p:sldId id="277" r:id="rId27"/>
+    <p:sldId id="278" r:id="rId28"/>
+    <p:sldId id="279" r:id="rId29"/>
+    <p:sldId id="280" r:id="rId30"/>
+    <p:sldId id="281" r:id="rId31"/>
+    <p:sldId id="282" r:id="rId32"/>
+    <p:sldId id="283" r:id="rId33"/>
+    <p:sldId id="284" r:id="rId34"/>
+    <p:sldId id="286" r:id="rId35"/>
+    <p:sldId id="285" r:id="rId36"/>
+    <p:sldId id="287" r:id="rId37"/>
+    <p:sldId id="288" r:id="rId38"/>
   </p:sldIdLst>
   <p:sldSz cx="12192000" cy="6858000"/>
   <p:notesSz cx="6858000" cy="9144000"/>
@@ -2806,48 +2809,107 @@
           <a:p>
             <a:r>
               <a:rPr lang="en-GB" dirty="0" smtClean="0"/>
-              <a:t>Extended Flags</a:t>
-            </a:r>
-            <a:endParaRPr lang="en-US" dirty="0"/>
-          </a:p>
-        </p:txBody>
-      </p:sp>
-      <p:pic>
-        <p:nvPicPr>
-          <p:cNvPr id="4" name="Content Placeholder 3"/>
-          <p:cNvPicPr>
-            <a:picLocks noGrp="1" noChangeAspect="1"/>
-          </p:cNvPicPr>
+              <a:t>Interrupt vectors</a:t>
+            </a:r>
+            <a:endParaRPr lang="en-GB" dirty="0"/>
+          </a:p>
+        </p:txBody>
+      </p:sp>
+      <p:sp>
+        <p:nvSpPr>
+          <p:cNvPr id="3" name="Content Placeholder 2"/>
+          <p:cNvSpPr>
+            <a:spLocks noGrp="1"/>
+          </p:cNvSpPr>
           <p:nvPr>
             <p:ph idx="1"/>
           </p:nvPr>
-        </p:nvPicPr>
-        <p:blipFill>
-          <a:blip r:embed="rId2"/>
-          <a:stretch>
-            <a:fillRect/>
-          </a:stretch>
-        </p:blipFill>
-        <p:spPr>
-          <a:xfrm>
-            <a:off x="2172884" y="2557003"/>
-            <a:ext cx="7846232" cy="2536156"/>
-          </a:xfrm>
-          <a:prstGeom prst="rect">
-            <a:avLst/>
-          </a:prstGeom>
-        </p:spPr>
-      </p:pic>
+        </p:nvSpPr>
+        <p:spPr/>
+        <p:txBody>
+          <a:bodyPr>
+            <a:normAutofit lnSpcReduction="10000"/>
+          </a:bodyPr>
+          <a:lstStyle/>
+          <a:p>
+            <a:pPr marL="0" indent="0" algn="just">
+              <a:buNone/>
+            </a:pPr>
+            <a:r>
+              <a:rPr lang="en-GB" dirty="0"/>
+              <a:t>Table </a:t>
+            </a:r>
+            <a:r>
+              <a:rPr lang="en-GB" dirty="0" smtClean="0"/>
+              <a:t>4-1 </a:t>
+            </a:r>
+            <a:r>
+              <a:rPr lang="en-GB" dirty="0"/>
+              <a:t>lists the interrupt vectors, with </a:t>
+            </a:r>
+            <a:r>
+              <a:rPr lang="en-GB" dirty="0" smtClean="0"/>
+              <a:t>a brief </a:t>
+            </a:r>
+            <a:r>
+              <a:rPr lang="en-GB" dirty="0"/>
+              <a:t>description and the memory location of each vector for the real mode. Each vector </a:t>
+            </a:r>
+            <a:r>
+              <a:rPr lang="en-GB" dirty="0" smtClean="0"/>
+              <a:t>contains a </a:t>
+            </a:r>
+            <a:r>
+              <a:rPr lang="en-GB" dirty="0"/>
+              <a:t>value for IP and CS that forms the address of the interrupt service procedure. </a:t>
+            </a:r>
+            <a:endParaRPr lang="en-GB" dirty="0" smtClean="0"/>
+          </a:p>
+          <a:p>
+            <a:pPr marL="0" indent="0" algn="just">
+              <a:buNone/>
+            </a:pPr>
+            <a:r>
+              <a:rPr lang="en-GB" dirty="0" smtClean="0"/>
+              <a:t>The </a:t>
+            </a:r>
+            <a:r>
+              <a:rPr lang="en-GB" dirty="0"/>
+              <a:t>first 2 </a:t>
+            </a:r>
+            <a:r>
+              <a:rPr lang="en-GB" dirty="0" smtClean="0"/>
+              <a:t>bytes contain </a:t>
+            </a:r>
+            <a:r>
+              <a:rPr lang="en-GB" dirty="0"/>
+              <a:t>the IP, and the last 2 bytes contain the CS</a:t>
+            </a:r>
+            <a:r>
+              <a:rPr lang="en-GB" dirty="0" smtClean="0"/>
+              <a:t>. Here is a more detailed description of each vector:</a:t>
+            </a:r>
+            <a:endParaRPr lang="en-GB" dirty="0"/>
+          </a:p>
+        </p:txBody>
+      </p:sp>
     </p:spTree>
     <p:extLst>
       <p:ext uri="{BB962C8B-B14F-4D97-AF65-F5344CB8AC3E}">
-        <p14:creationId xmlns:p14="http://schemas.microsoft.com/office/powerpoint/2010/main" val="3247659743"/>
+        <p14:creationId xmlns:p14="http://schemas.microsoft.com/office/powerpoint/2010/main" val="1843355503"/>
       </p:ext>
     </p:extLst>
   </p:cSld>
   <p:clrMapOvr>
     <a:masterClrMapping/>
   </p:clrMapOvr>
+  <p:timing>
+    <p:tnLst>
+      <p:par>
+        <p:cTn id="1" dur="indefinite" restart="never" nodeType="tmRoot"/>
+      </p:par>
+    </p:tnLst>
+  </p:timing>
 </p:sld>
 </file>
 
@@ -2904,7 +2966,7 @@
         <p:spPr/>
         <p:txBody>
           <a:bodyPr>
-            <a:normAutofit lnSpcReduction="10000"/>
+            <a:normAutofit fontScale="47500" lnSpcReduction="20000"/>
           </a:bodyPr>
           <a:lstStyle/>
           <a:p>
@@ -2912,59 +2974,88 @@
               <a:buNone/>
             </a:pPr>
             <a:r>
-              <a:rPr lang="en-GB" dirty="0"/>
-              <a:t>Table </a:t>
-            </a:r>
-            <a:r>
-              <a:rPr lang="en-GB" dirty="0" smtClean="0"/>
-              <a:t>4-1 </a:t>
-            </a:r>
-            <a:r>
-              <a:rPr lang="en-GB" dirty="0"/>
-              <a:t>lists the interrupt vectors, with </a:t>
-            </a:r>
-            <a:r>
-              <a:rPr lang="en-GB" dirty="0" smtClean="0"/>
-              <a:t>a brief </a:t>
-            </a:r>
-            <a:r>
-              <a:rPr lang="en-GB" dirty="0"/>
-              <a:t>description and the memory location of each vector for the real mode. Each vector </a:t>
-            </a:r>
-            <a:r>
-              <a:rPr lang="en-GB" dirty="0" smtClean="0"/>
-              <a:t>contains a </a:t>
-            </a:r>
-            <a:r>
-              <a:rPr lang="en-GB" dirty="0"/>
-              <a:t>value for IP and CS that forms the address of the interrupt service procedure. </a:t>
-            </a:r>
-            <a:endParaRPr lang="en-GB" dirty="0" smtClean="0"/>
+              <a:rPr lang="en-GB" b="1" dirty="0" smtClean="0"/>
+              <a:t>DIVIDE-BY-ZERO </a:t>
+            </a:r>
+            <a:r>
+              <a:rPr lang="en-GB" b="1" dirty="0"/>
+              <a:t>INTERRUPT-TYPE 0</a:t>
+            </a:r>
+            <a:r>
+              <a:rPr lang="en-GB" b="1" dirty="0" smtClean="0"/>
+              <a:t>:</a:t>
+            </a:r>
+            <a:endParaRPr lang="en-GB" b="1" dirty="0"/>
           </a:p>
           <a:p>
             <a:pPr marL="0" indent="0" algn="just">
               <a:buNone/>
             </a:pPr>
             <a:r>
-              <a:rPr lang="en-GB" dirty="0" smtClean="0"/>
-              <a:t>The </a:t>
-            </a:r>
-            <a:r>
-              <a:rPr lang="en-GB" dirty="0"/>
-              <a:t>first 2 </a:t>
-            </a:r>
-            <a:r>
-              <a:rPr lang="en-GB" dirty="0" smtClean="0"/>
-              <a:t>bytes contain </a:t>
-            </a:r>
-            <a:r>
-              <a:rPr lang="en-GB" dirty="0"/>
-              <a:t>the IP, and the last 2 bytes contain the CS</a:t>
-            </a:r>
-            <a:r>
-              <a:rPr lang="en-GB" dirty="0" smtClean="0"/>
-              <a:t>. Here is a more detailed description of each vector:</a:t>
-            </a:r>
+              <a:rPr lang="en-GB" dirty="0"/>
+              <a:t>The 8086 will automatically do a type 0 interrupt if the result of a DIV operation or an IDIV operation is too large to fit in the destination register. For  a type 0 interrupt, the 8086 pushes the flag register on the stack, resets IF and TF and pushes the return addresses on the stack.</a:t>
+            </a:r>
+          </a:p>
+          <a:p>
+            <a:pPr marL="0" indent="0" algn="just">
+              <a:buNone/>
+            </a:pPr>
+            <a:r>
+              <a:rPr lang="en-GB" b="1" dirty="0" smtClean="0"/>
+              <a:t>SINGLE </a:t>
+            </a:r>
+            <a:r>
+              <a:rPr lang="en-GB" b="1" dirty="0"/>
+              <a:t>STEP INTERRUPT-TYPE 1</a:t>
+            </a:r>
+            <a:r>
+              <a:rPr lang="en-GB" b="1" dirty="0" smtClean="0"/>
+              <a:t>:</a:t>
+            </a:r>
+            <a:endParaRPr lang="en-GB" b="1" dirty="0"/>
+          </a:p>
+          <a:p>
+            <a:pPr marL="0" indent="0" algn="just">
+              <a:buNone/>
+            </a:pPr>
+            <a:r>
+              <a:rPr lang="en-GB" dirty="0"/>
+              <a:t>The use of single step feature found in some monitor programs and debugger programs. When you tell a system to single step, it will execute one instruction and stop. If they are correct we can tell a system to single step, it will execute one instruction and stop. We can then examine the contents of registers and memory locations. In other words, when in single step mode a system will stop after it executes each instruction and wait for further direction from you. The 8086 trap flag and type 1 interrupt response make it quite easy to implement a single step feature direction.</a:t>
+            </a:r>
+          </a:p>
+          <a:p>
+            <a:pPr marL="0" indent="0" algn="just">
+              <a:buNone/>
+            </a:pPr>
+            <a:r>
+              <a:rPr lang="en-GB" b="1" dirty="0" smtClean="0"/>
+              <a:t>NON-MASKABLE </a:t>
+            </a:r>
+            <a:r>
+              <a:rPr lang="en-GB" b="1" dirty="0"/>
+              <a:t>INTERRUPT-TYPE 2</a:t>
+            </a:r>
+            <a:r>
+              <a:rPr lang="en-GB" b="1" dirty="0" smtClean="0"/>
+              <a:t>:</a:t>
+            </a:r>
+            <a:endParaRPr lang="en-GB" b="1" dirty="0"/>
+          </a:p>
+          <a:p>
+            <a:pPr marL="0" indent="0" algn="just">
+              <a:buNone/>
+            </a:pPr>
+            <a:r>
+              <a:rPr lang="en-GB" dirty="0"/>
+              <a:t>The 8086 will automatically do a type 2 interrupt response when it receives a low to high transition on its NMI pin. When it does a type 2 interrupt, the 8086 will push the flags on the stack, reset TF and IF, and push the CS value and the IP value for the next instruction on the stack. It will then get the CS value for the start of the type 2 interrupt service procedure from address 0000AH and the IP value for the start of the procedure from address 00008H.</a:t>
+            </a:r>
+          </a:p>
+          <a:p>
+            <a:pPr algn="just"/>
+            <a:endParaRPr lang="en-GB" dirty="0"/>
+          </a:p>
+          <a:p>
+            <a:pPr algn="just"/>
             <a:endParaRPr lang="en-GB" dirty="0"/>
           </a:p>
         </p:txBody>
@@ -2972,7 +3063,7 @@
     </p:spTree>
     <p:extLst>
       <p:ext uri="{BB962C8B-B14F-4D97-AF65-F5344CB8AC3E}">
-        <p14:creationId xmlns:p14="http://schemas.microsoft.com/office/powerpoint/2010/main" val="1843355503"/>
+        <p14:creationId xmlns:p14="http://schemas.microsoft.com/office/powerpoint/2010/main" val="3621992832"/>
       </p:ext>
     </p:extLst>
   </p:cSld>
@@ -3023,7 +3114,7 @@
           <a:p>
             <a:r>
               <a:rPr lang="en-GB" dirty="0" smtClean="0"/>
-              <a:t>Interrupt vectors</a:t>
+              <a:t>Interrupt Vectors</a:t>
             </a:r>
             <a:endParaRPr lang="en-GB" dirty="0"/>
           </a:p>
@@ -3042,7 +3133,7 @@
         <p:spPr/>
         <p:txBody>
           <a:bodyPr>
-            <a:normAutofit fontScale="47500" lnSpcReduction="20000"/>
+            <a:normAutofit fontScale="62500" lnSpcReduction="20000"/>
           </a:bodyPr>
           <a:lstStyle/>
           <a:p>
@@ -3050,12 +3141,8 @@
               <a:buNone/>
             </a:pPr>
             <a:r>
-              <a:rPr lang="en-GB" b="1" dirty="0" smtClean="0"/>
-              <a:t>DIVIDE-BY-ZERO </a:t>
-            </a:r>
-            <a:r>
               <a:rPr lang="en-GB" b="1" dirty="0"/>
-              <a:t>INTERRUPT-TYPE 0</a:t>
+              <a:t>BREAKPOINT INTERRUPT-TYPE 3</a:t>
             </a:r>
             <a:r>
               <a:rPr lang="en-GB" b="1" dirty="0" smtClean="0"/>
@@ -3069,7 +3156,15 @@
             </a:pPr>
             <a:r>
               <a:rPr lang="en-GB" dirty="0"/>
-              <a:t>The 8086 will automatically do a type 0 interrupt if the result of a DIV operation or an IDIV operation is too large to fit in the destination register. For  a type 0 interrupt, the 8086 pushes the flag register on the stack, resets IF and TF and pushes the return addresses on the stack.</a:t>
+              <a:t>The type 3 interrupt is produced by execution of the INT3 instruction. The main use of the type 3 interrupt is to implement a breakpoint function in a system. When we insert a breakpoint, the system executes the instructions up to the breakpoint and then goes to the breakpoint procedure. </a:t>
+            </a:r>
+            <a:r>
+              <a:rPr lang="en-GB" dirty="0" smtClean="0"/>
+              <a:t>Unlike the </a:t>
+            </a:r>
+            <a:r>
+              <a:rPr lang="en-GB" dirty="0"/>
+              <a:t>single step which stops execution after each instruction, the breakpoint feature executes all the instructions up to the inserted breakpoint and then stops execution.</a:t>
             </a:r>
           </a:p>
           <a:p>
@@ -3078,11 +3173,11 @@
             </a:pPr>
             <a:r>
               <a:rPr lang="en-GB" b="1" dirty="0" smtClean="0"/>
-              <a:t>SINGLE </a:t>
+              <a:t>OVERFLOW </a:t>
             </a:r>
             <a:r>
               <a:rPr lang="en-GB" b="1" dirty="0"/>
-              <a:t>STEP INTERRUPT-TYPE 1</a:t>
+              <a:t>INTERRUPT-TYPE4</a:t>
             </a:r>
             <a:r>
               <a:rPr lang="en-GB" b="1" dirty="0" smtClean="0"/>
@@ -3096,39 +3191,8 @@
             </a:pPr>
             <a:r>
               <a:rPr lang="en-GB" dirty="0"/>
-              <a:t>The use of single step feature found in some monitor programs and debugger programs. When you tell a system to single step, it will execute one instruction and stop. If they are correct we can tell a system to single step, it will execute one instruction and stop. We can then examine the contents of registers and memory locations. In other words, when in single step mode a system will stop after it executes each instruction and wait for further direction from you. The 8086 trap flag and type 1 interrupt response make it quite easy to implement a single step feature direction.</a:t>
-            </a:r>
-          </a:p>
-          <a:p>
-            <a:pPr marL="0" indent="0" algn="just">
-              <a:buNone/>
-            </a:pPr>
-            <a:r>
-              <a:rPr lang="en-GB" b="1" dirty="0" smtClean="0"/>
-              <a:t>NON-MASKABLE </a:t>
-            </a:r>
-            <a:r>
-              <a:rPr lang="en-GB" b="1" dirty="0"/>
-              <a:t>INTERRUPT-TYPE 2</a:t>
-            </a:r>
-            <a:r>
-              <a:rPr lang="en-GB" b="1" dirty="0" smtClean="0"/>
-              <a:t>:</a:t>
-            </a:r>
-            <a:endParaRPr lang="en-GB" b="1" dirty="0"/>
-          </a:p>
-          <a:p>
-            <a:pPr marL="0" indent="0" algn="just">
-              <a:buNone/>
-            </a:pPr>
-            <a:r>
-              <a:rPr lang="en-GB" dirty="0"/>
-              <a:t>The 8086 will automatically do a type 2 interrupt response when it receives a low to high transition on its NMI pin. When it does a type 2 interrupt, the 8086 will push the flags on the stack, reset TF and IF, and push the CS value and the IP value for the next instruction on the stack. It will then get the CS value for the start of the type 2 interrupt service procedure from address 0000AH and the IP value for the start of the procedure from address 00008H.</a:t>
-            </a:r>
-          </a:p>
-          <a:p>
-            <a:pPr algn="just"/>
-            <a:endParaRPr lang="en-GB" dirty="0"/>
+              <a:t>The 8086 overflow flag will be set if the signed result of an arithmetic operation on two signed numbers is too large to be represented in the destination register or memory location. For example, if you add the 8 bit signed number 01101100 and the 8 bit signed number 010111101, the result will be 10111101. This would be the correct result if we were adding unsigned binary numbers, but it is not the correct signed result.</a:t>
+            </a:r>
           </a:p>
           <a:p>
             <a:pPr algn="just"/>
@@ -3139,7 +3203,7 @@
     </p:spTree>
     <p:extLst>
       <p:ext uri="{BB962C8B-B14F-4D97-AF65-F5344CB8AC3E}">
-        <p14:creationId xmlns:p14="http://schemas.microsoft.com/office/powerpoint/2010/main" val="3621992832"/>
+        <p14:creationId xmlns:p14="http://schemas.microsoft.com/office/powerpoint/2010/main" val="240571489"/>
       </p:ext>
     </p:extLst>
   </p:cSld>
@@ -3190,7 +3254,7 @@
           <a:p>
             <a:r>
               <a:rPr lang="en-GB" dirty="0" smtClean="0"/>
-              <a:t>Interrupt Vectors</a:t>
+              <a:t>Interrupt vectors</a:t>
             </a:r>
             <a:endParaRPr lang="en-GB" dirty="0"/>
           </a:p>
@@ -3217,8 +3281,20 @@
               <a:buNone/>
             </a:pPr>
             <a:r>
+              <a:rPr lang="en-GB" b="1" dirty="0" smtClean="0"/>
+              <a:t>SOFTWARE </a:t>
+            </a:r>
+            <a:r>
               <a:rPr lang="en-GB" b="1" dirty="0"/>
-              <a:t>BREAKPOINT INTERRUPT-TYPE 3</a:t>
+              <a:t>INTERRUPTS-TYPE </a:t>
+            </a:r>
+            <a:r>
+              <a:rPr lang="en-GB" b="1" dirty="0" smtClean="0"/>
+              <a:t>0 </a:t>
+            </a:r>
+            <a:r>
+              <a:rPr lang="en-GB" b="1" dirty="0"/>
+              <a:t>THROUGH 255</a:t>
             </a:r>
             <a:r>
               <a:rPr lang="en-GB" b="1" dirty="0" smtClean="0"/>
@@ -3232,15 +3308,19 @@
             </a:pPr>
             <a:r>
               <a:rPr lang="en-GB" dirty="0"/>
-              <a:t>The type 3 interrupt is produced by execution of the INT3 instruction. The main use of the type 3 interrupt is to implement a breakpoint function in a system. When we insert a breakpoint, the system executes the instructions up to the breakpoint and then goes to the breakpoint procedure. </a:t>
-            </a:r>
-            <a:r>
-              <a:rPr lang="en-GB" dirty="0" smtClean="0"/>
-              <a:t>Unlike the </a:t>
-            </a:r>
-            <a:r>
-              <a:rPr lang="en-GB" dirty="0"/>
-              <a:t>single step which stops execution after each instruction, the breakpoint feature executes all the instructions up to the inserted breakpoint and then stops execution.</a:t>
+              <a:t>The 8086 INT instruction can be used to cause the 8086 to do any one of the 256 possible interrupt types. The desired interrupt type is specified as part of the instruction. The instruction </a:t>
+            </a:r>
+            <a:r>
+              <a:rPr lang="en-GB" dirty="0" smtClean="0"/>
+              <a:t>INT 32</a:t>
+            </a:r>
+            <a:r>
+              <a:rPr lang="en-GB" dirty="0"/>
+              <a:t>, for example will cause the 8086 to do a type 32 interrupt response. The 8086 will push the flag register on the stack, reset TF and IF, and push the CS and IP values of the next instruction on the stack</a:t>
+            </a:r>
+            <a:r>
+              <a:rPr lang="en-GB" dirty="0" smtClean="0"/>
+              <a:t>.</a:t>
             </a:r>
           </a:p>
           <a:p>
@@ -3249,17 +3329,17 @@
             </a:pPr>
             <a:r>
               <a:rPr lang="en-GB" b="1" dirty="0" smtClean="0"/>
-              <a:t>OVERFLOW </a:t>
+              <a:t>INTR </a:t>
             </a:r>
             <a:r>
               <a:rPr lang="en-GB" b="1" dirty="0"/>
-              <a:t>INTERRUPT-TYPE4</a:t>
+              <a:t>INTERRUPTS-TYPES 0 THROUGH 255</a:t>
             </a:r>
             <a:r>
               <a:rPr lang="en-GB" b="1" dirty="0" smtClean="0"/>
               <a:t>:</a:t>
             </a:r>
-            <a:endParaRPr lang="en-GB" b="1" dirty="0"/>
+            <a:endParaRPr lang="en-GB" dirty="0"/>
           </a:p>
           <a:p>
             <a:pPr marL="0" indent="0" algn="just">
@@ -3267,7 +3347,7 @@
             </a:pPr>
             <a:r>
               <a:rPr lang="en-GB" dirty="0"/>
-              <a:t>The 8086 overflow flag will be set if the signed result of an arithmetic operation on two signed numbers is too large to be represented in the destination register or memory location. For example, if you add the 8 bit signed number 01101100 and the 8 bit signed number 010111101, the result will be 10111101. This would be the correct result if we were adding unsigned binary numbers, but it is not the correct signed result.</a:t>
+              <a:t>The 8086 INTR input allows some external signal to interrupt execution of a program. Unlike the NMI input, however, INTR can be masked so that it cannot cause an interrupt. If the interrupt flag is cleared, then the INTR input is disabled. IF can be cleared at any time with CLEAR instruction.</a:t>
             </a:r>
           </a:p>
           <a:p>
@@ -3279,7 +3359,7 @@
     </p:spTree>
     <p:extLst>
       <p:ext uri="{BB962C8B-B14F-4D97-AF65-F5344CB8AC3E}">
-        <p14:creationId xmlns:p14="http://schemas.microsoft.com/office/powerpoint/2010/main" val="240571489"/>
+        <p14:creationId xmlns:p14="http://schemas.microsoft.com/office/powerpoint/2010/main" val="2662911726"/>
       </p:ext>
     </p:extLst>
   </p:cSld>
@@ -3349,7 +3429,7 @@
         <p:spPr/>
         <p:txBody>
           <a:bodyPr>
-            <a:normAutofit fontScale="62500" lnSpcReduction="20000"/>
+            <a:normAutofit fontScale="70000" lnSpcReduction="20000"/>
           </a:bodyPr>
           <a:lstStyle/>
           <a:p>
@@ -3357,42 +3437,70 @@
               <a:buNone/>
             </a:pPr>
             <a:r>
-              <a:rPr lang="en-GB" b="1" dirty="0" smtClean="0"/>
-              <a:t>SOFTWARE </a:t>
-            </a:r>
-            <a:r>
-              <a:rPr lang="en-GB" b="1" dirty="0"/>
-              <a:t>INTERRUPTS-TYPE </a:t>
-            </a:r>
-            <a:r>
-              <a:rPr lang="en-GB" b="1" dirty="0" smtClean="0"/>
-              <a:t>0 </a:t>
-            </a:r>
-            <a:r>
-              <a:rPr lang="en-GB" b="1" dirty="0"/>
-              <a:t>THROUGH 255</a:t>
-            </a:r>
-            <a:r>
-              <a:rPr lang="en-GB" b="1" dirty="0" smtClean="0"/>
-              <a:t>:</a:t>
-            </a:r>
-            <a:endParaRPr lang="en-GB" b="1" dirty="0"/>
+              <a:rPr lang="en-GB" dirty="0"/>
+              <a:t>The address </a:t>
+            </a:r>
+            <a:r>
+              <a:rPr lang="en-GB" dirty="0" smtClean="0"/>
+              <a:t>of the </a:t>
+            </a:r>
+            <a:r>
+              <a:rPr lang="en-GB" dirty="0"/>
+              <a:t>interrupt vector is determined by multiplying the interrupt type number by 4. For </a:t>
+            </a:r>
+            <a:r>
+              <a:rPr lang="en-GB" dirty="0" smtClean="0"/>
+              <a:t>example</a:t>
+            </a:r>
+            <a:r>
+              <a:rPr lang="en-GB" dirty="0"/>
+              <a:t>, </a:t>
+            </a:r>
+            <a:r>
+              <a:rPr lang="en-GB" dirty="0" smtClean="0"/>
+              <a:t>the INT </a:t>
+            </a:r>
+            <a:r>
+              <a:rPr lang="en-GB" dirty="0"/>
+              <a:t>10H instruction calls the interrupt service </a:t>
+            </a:r>
+            <a:r>
+              <a:rPr lang="en-GB" dirty="0" smtClean="0"/>
+              <a:t>procedure </a:t>
+            </a:r>
+            <a:r>
+              <a:rPr lang="en-GB" dirty="0"/>
+              <a:t>whose address is stored beginning </a:t>
+            </a:r>
+            <a:r>
+              <a:rPr lang="en-GB" dirty="0" smtClean="0"/>
+              <a:t>at memory </a:t>
+            </a:r>
+            <a:r>
+              <a:rPr lang="en-GB" dirty="0"/>
+              <a:t>location 40H (10H × 4) in the real mode. </a:t>
+            </a:r>
+            <a:endParaRPr lang="en-GB" dirty="0" smtClean="0"/>
           </a:p>
           <a:p>
             <a:pPr marL="0" indent="0" algn="just">
               <a:buNone/>
             </a:pPr>
             <a:r>
-              <a:rPr lang="en-GB" dirty="0"/>
-              <a:t>The 8086 INT instruction can be used to cause the 8086 to do any one of the 256 possible interrupt types. The desired interrupt type is specified as part of the instruction. The instruction </a:t>
-            </a:r>
-            <a:r>
-              <a:rPr lang="en-GB" dirty="0" smtClean="0"/>
-              <a:t>INT 32</a:t>
-            </a:r>
-            <a:r>
-              <a:rPr lang="en-GB" dirty="0"/>
-              <a:t>, for example will cause the 8086 to do a type 32 interrupt response. The 8086 will push the flag register on the stack, reset TF and IF, and push the CS and IP values of the next instruction on the stack</a:t>
+              <a:rPr lang="en-GB" dirty="0" smtClean="0"/>
+              <a:t>In </a:t>
+            </a:r>
+            <a:r>
+              <a:rPr lang="en-GB" dirty="0"/>
+              <a:t>the protected mode, the interrupt descriptor </a:t>
+            </a:r>
+            <a:r>
+              <a:rPr lang="en-GB" dirty="0" smtClean="0"/>
+              <a:t>is located </a:t>
+            </a:r>
+            <a:r>
+              <a:rPr lang="en-GB" dirty="0"/>
+              <a:t>by multiplying the type number by 8 instead of 4 because each descriptor is 8 bytes long</a:t>
             </a:r>
             <a:r>
               <a:rPr lang="en-GB" dirty="0" smtClean="0"/>
@@ -3404,38 +3512,44 @@
               <a:buNone/>
             </a:pPr>
             <a:r>
-              <a:rPr lang="en-GB" b="1" dirty="0" smtClean="0"/>
-              <a:t>INTR </a:t>
-            </a:r>
-            <a:r>
-              <a:rPr lang="en-GB" b="1" dirty="0"/>
-              <a:t>INTERRUPTS-TYPES 0 THROUGH 255</a:t>
-            </a:r>
-            <a:r>
-              <a:rPr lang="en-GB" b="1" dirty="0" smtClean="0"/>
-              <a:t>:</a:t>
-            </a:r>
-            <a:endParaRPr lang="en-GB" dirty="0"/>
-          </a:p>
-          <a:p>
-            <a:pPr marL="0" indent="0" algn="just">
-              <a:buNone/>
-            </a:pPr>
-            <a:r>
-              <a:rPr lang="en-GB" dirty="0"/>
-              <a:t>The 8086 INTR input allows some external signal to interrupt execution of a program. Unlike the NMI input, however, INTR can be masked so that it cannot cause an interrupt. If the interrupt flag is cleared, then the INTR input is disabled. IF can be cleared at any time with CLEAR instruction.</a:t>
-            </a:r>
-          </a:p>
-          <a:p>
-            <a:pPr algn="just"/>
-            <a:endParaRPr lang="en-GB" dirty="0"/>
+              <a:rPr lang="en-GB" dirty="0" smtClean="0"/>
+              <a:t>Each </a:t>
+            </a:r>
+            <a:r>
+              <a:rPr lang="en-GB" dirty="0"/>
+              <a:t>INT instruction is 2 bytes long. The first byte contains the </a:t>
+            </a:r>
+            <a:r>
+              <a:rPr lang="en-GB" dirty="0" err="1"/>
+              <a:t>opcode</a:t>
+            </a:r>
+            <a:r>
+              <a:rPr lang="en-GB" dirty="0"/>
+              <a:t>, and the </a:t>
+            </a:r>
+            <a:r>
+              <a:rPr lang="en-GB" dirty="0" smtClean="0"/>
+              <a:t>second byte </a:t>
+            </a:r>
+            <a:r>
+              <a:rPr lang="en-GB" dirty="0"/>
+              <a:t>contains the vector type number. The only exception to this is INT 3, a 1-byte special </a:t>
+            </a:r>
+            <a:r>
+              <a:rPr lang="en-GB" dirty="0" smtClean="0"/>
+              <a:t>software interrupt </a:t>
+            </a:r>
+            <a:r>
+              <a:rPr lang="en-GB" dirty="0"/>
+              <a:t>used for breakpoints.</a:t>
+            </a:r>
           </a:p>
         </p:txBody>
       </p:sp>
     </p:spTree>
     <p:extLst>
       <p:ext uri="{BB962C8B-B14F-4D97-AF65-F5344CB8AC3E}">
-        <p14:creationId xmlns:p14="http://schemas.microsoft.com/office/powerpoint/2010/main" val="2662911726"/>
+        <p14:creationId xmlns:p14="http://schemas.microsoft.com/office/powerpoint/2010/main" val="42487731"/>
       </p:ext>
     </p:extLst>
   </p:cSld>
@@ -3486,159 +3600,48 @@
           <a:p>
             <a:r>
               <a:rPr lang="en-GB" dirty="0" smtClean="0"/>
-              <a:t>Interrupt vectors</a:t>
-            </a:r>
-            <a:endParaRPr lang="en-GB" dirty="0"/>
-          </a:p>
-        </p:txBody>
-      </p:sp>
-      <p:sp>
-        <p:nvSpPr>
-          <p:cNvPr id="3" name="Content Placeholder 2"/>
-          <p:cNvSpPr>
-            <a:spLocks noGrp="1"/>
-          </p:cNvSpPr>
+              <a:t>Extended Flags</a:t>
+            </a:r>
+            <a:endParaRPr lang="en-US" dirty="0"/>
+          </a:p>
+        </p:txBody>
+      </p:sp>
+      <p:pic>
+        <p:nvPicPr>
+          <p:cNvPr id="4" name="Content Placeholder 3"/>
+          <p:cNvPicPr>
+            <a:picLocks noGrp="1" noChangeAspect="1"/>
+          </p:cNvPicPr>
           <p:nvPr>
             <p:ph idx="1"/>
           </p:nvPr>
-        </p:nvSpPr>
-        <p:spPr/>
-        <p:txBody>
-          <a:bodyPr>
-            <a:normAutofit fontScale="70000" lnSpcReduction="20000"/>
-          </a:bodyPr>
-          <a:lstStyle/>
-          <a:p>
-            <a:pPr marL="0" indent="0" algn="just">
-              <a:buNone/>
-            </a:pPr>
-            <a:r>
-              <a:rPr lang="en-GB" dirty="0"/>
-              <a:t>The address </a:t>
-            </a:r>
-            <a:r>
-              <a:rPr lang="en-GB" dirty="0" smtClean="0"/>
-              <a:t>of the </a:t>
-            </a:r>
-            <a:r>
-              <a:rPr lang="en-GB" dirty="0"/>
-              <a:t>interrupt vector is determined by multiplying the interrupt type number by 4. For </a:t>
-            </a:r>
-            <a:r>
-              <a:rPr lang="en-GB" dirty="0" smtClean="0"/>
-              <a:t>example</a:t>
-            </a:r>
-            <a:r>
-              <a:rPr lang="en-GB" dirty="0"/>
-              <a:t>, </a:t>
-            </a:r>
-            <a:r>
-              <a:rPr lang="en-GB" dirty="0" smtClean="0"/>
-              <a:t>the INT </a:t>
-            </a:r>
-            <a:r>
-              <a:rPr lang="en-GB" dirty="0"/>
-              <a:t>10H instruction calls the interrupt service </a:t>
-            </a:r>
-            <a:r>
-              <a:rPr lang="en-GB" dirty="0" smtClean="0"/>
-              <a:t>procedure </a:t>
-            </a:r>
-            <a:r>
-              <a:rPr lang="en-GB" dirty="0"/>
-              <a:t>whose address is stored beginning </a:t>
-            </a:r>
-            <a:r>
-              <a:rPr lang="en-GB" dirty="0" smtClean="0"/>
-              <a:t>at memory </a:t>
-            </a:r>
-            <a:r>
-              <a:rPr lang="en-GB" dirty="0"/>
-              <a:t>location 40H (10H × 4) in the real mode. </a:t>
-            </a:r>
-            <a:endParaRPr lang="en-GB" dirty="0" smtClean="0"/>
-          </a:p>
-          <a:p>
-            <a:pPr marL="0" indent="0" algn="just">
-              <a:buNone/>
-            </a:pPr>
-            <a:r>
-              <a:rPr lang="en-GB" dirty="0" smtClean="0"/>
-              <a:t>In </a:t>
-            </a:r>
-            <a:r>
-              <a:rPr lang="en-GB" dirty="0"/>
-              <a:t>the protected mode, the interrupt descriptor </a:t>
-            </a:r>
-            <a:r>
-              <a:rPr lang="en-GB" dirty="0" smtClean="0"/>
-              <a:t>is located </a:t>
-            </a:r>
-            <a:r>
-              <a:rPr lang="en-GB" dirty="0"/>
-              <a:t>by multiplying the type number by 8 instead of 4 because each descriptor is 8 bytes long</a:t>
-            </a:r>
-            <a:r>
-              <a:rPr lang="en-GB" dirty="0" smtClean="0"/>
-              <a:t>.</a:t>
-            </a:r>
-          </a:p>
-          <a:p>
-            <a:pPr marL="0" indent="0" algn="just">
-              <a:buNone/>
-            </a:pPr>
-            <a:r>
-              <a:rPr lang="en-GB" dirty="0" smtClean="0"/>
-              <a:t>Each </a:t>
-            </a:r>
-            <a:r>
-              <a:rPr lang="en-GB" dirty="0"/>
-              <a:t>INT instruction is 2 bytes long. The first byte contains the </a:t>
-            </a:r>
-            <a:r>
-              <a:rPr lang="en-GB" dirty="0" err="1"/>
-              <a:t>opcode</a:t>
-            </a:r>
-            <a:r>
-              <a:rPr lang="en-GB" dirty="0"/>
-              <a:t>, and the </a:t>
-            </a:r>
-            <a:r>
-              <a:rPr lang="en-GB" dirty="0" smtClean="0"/>
-              <a:t>second byte </a:t>
-            </a:r>
-            <a:r>
-              <a:rPr lang="en-GB" dirty="0"/>
-              <a:t>contains the vector type number. The only exception to this is INT 3, a 1-byte special </a:t>
-            </a:r>
-            <a:r>
-              <a:rPr lang="en-GB" dirty="0" smtClean="0"/>
-              <a:t>software interrupt </a:t>
-            </a:r>
-            <a:r>
-              <a:rPr lang="en-GB" dirty="0"/>
-              <a:t>used for breakpoints.</a:t>
-            </a:r>
-          </a:p>
-        </p:txBody>
-      </p:sp>
+        </p:nvPicPr>
+        <p:blipFill>
+          <a:blip r:embed="rId2"/>
+          <a:stretch>
+            <a:fillRect/>
+          </a:stretch>
+        </p:blipFill>
+        <p:spPr>
+          <a:xfrm>
+            <a:off x="3375382" y="1955754"/>
+            <a:ext cx="7846232" cy="2536156"/>
+          </a:xfrm>
+          <a:prstGeom prst="rect">
+            <a:avLst/>
+          </a:prstGeom>
+        </p:spPr>
+      </p:pic>
     </p:spTree>
     <p:extLst>
       <p:ext uri="{BB962C8B-B14F-4D97-AF65-F5344CB8AC3E}">
-        <p14:creationId xmlns:p14="http://schemas.microsoft.com/office/powerpoint/2010/main" val="42487731"/>
+        <p14:creationId xmlns:p14="http://schemas.microsoft.com/office/powerpoint/2010/main" val="3247659743"/>
       </p:ext>
     </p:extLst>
   </p:cSld>
   <p:clrMapOvr>
     <a:masterClrMapping/>
   </p:clrMapOvr>
-  <p:timing>
-    <p:tnLst>
-      <p:par>
-        <p:cTn id="1" dur="indefinite" restart="never" nodeType="tmRoot"/>
-      </p:par>
-    </p:tnLst>
-  </p:timing>
 </p:sld>
 </file>
 
@@ -3671,6 +3674,356 @@
         </p:nvSpPr>
         <p:spPr/>
         <p:txBody>
+          <a:bodyPr/>
+          <a:lstStyle/>
+          <a:p>
+            <a:r>
+              <a:rPr lang="en-US" dirty="0"/>
+              <a:t>Extended Flags</a:t>
+            </a:r>
+          </a:p>
+        </p:txBody>
+      </p:sp>
+      <p:pic>
+        <p:nvPicPr>
+          <p:cNvPr id="4" name="Content Placeholder 3"/>
+          <p:cNvPicPr>
+            <a:picLocks noGrp="1" noChangeAspect="1"/>
+          </p:cNvPicPr>
+          <p:nvPr>
+            <p:ph idx="1"/>
+          </p:nvPr>
+        </p:nvPicPr>
+        <p:blipFill>
+          <a:blip r:embed="rId2"/>
+          <a:stretch>
+            <a:fillRect/>
+          </a:stretch>
+        </p:blipFill>
+        <p:spPr>
+          <a:xfrm>
+            <a:off x="755441" y="1724827"/>
+            <a:ext cx="10681118" cy="4200508"/>
+          </a:xfrm>
+          <a:prstGeom prst="rect">
+            <a:avLst/>
+          </a:prstGeom>
+        </p:spPr>
+      </p:pic>
+    </p:spTree>
+    <p:extLst>
+      <p:ext uri="{BB962C8B-B14F-4D97-AF65-F5344CB8AC3E}">
+        <p14:creationId xmlns:p14="http://schemas.microsoft.com/office/powerpoint/2010/main" val="2215828644"/>
+      </p:ext>
+    </p:extLst>
+  </p:cSld>
+  <p:clrMapOvr>
+    <a:masterClrMapping/>
+  </p:clrMapOvr>
+</p:sld>
+</file>
+
+<file path=ppt/slides/slide17.xml><?xml version="1.0" encoding="utf-8"?>
+<p:sld xmlns:a="http://schemas.openxmlformats.org/drawingml/2006/main" xmlns:r="http://schemas.openxmlformats.org/officeDocument/2006/relationships" xmlns:p="http://schemas.openxmlformats.org/presentationml/2006/main">
+  <p:cSld>
+    <p:spTree>
+      <p:nvGrpSpPr>
+        <p:cNvPr id="1" name=""/>
+        <p:cNvGrpSpPr/>
+        <p:nvPr/>
+      </p:nvGrpSpPr>
+      <p:grpSpPr>
+        <a:xfrm>
+          <a:off x="0" y="0"/>
+          <a:ext cx="0" cy="0"/>
+          <a:chOff x="0" y="0"/>
+          <a:chExt cx="0" cy="0"/>
+        </a:xfrm>
+      </p:grpSpPr>
+      <p:sp>
+        <p:nvSpPr>
+          <p:cNvPr id="2" name="Title 1"/>
+          <p:cNvSpPr>
+            <a:spLocks noGrp="1"/>
+          </p:cNvSpPr>
+          <p:nvPr>
+            <p:ph type="title"/>
+          </p:nvPr>
+        </p:nvSpPr>
+        <p:spPr/>
+        <p:txBody>
+          <a:bodyPr/>
+          <a:lstStyle/>
+          <a:p>
+            <a:r>
+              <a:rPr lang="en-US" dirty="0"/>
+              <a:t>Extended Flags</a:t>
+            </a:r>
+          </a:p>
+        </p:txBody>
+      </p:sp>
+      <p:sp>
+        <p:nvSpPr>
+          <p:cNvPr id="3" name="Content Placeholder 2"/>
+          <p:cNvSpPr>
+            <a:spLocks noGrp="1"/>
+          </p:cNvSpPr>
+          <p:nvPr>
+            <p:ph idx="1"/>
+          </p:nvPr>
+        </p:nvSpPr>
+        <p:spPr/>
+        <p:txBody>
+          <a:bodyPr>
+            <a:normAutofit fontScale="70000" lnSpcReduction="20000"/>
+          </a:bodyPr>
+          <a:lstStyle/>
+          <a:p>
+            <a:pPr marL="0" indent="0" algn="just">
+              <a:buNone/>
+            </a:pPr>
+            <a:r>
+              <a:rPr lang="en-US" dirty="0"/>
+              <a:t>The systems flags of the EFLAGS register control I/O, </a:t>
+            </a:r>
+            <a:r>
+              <a:rPr lang="en-US" dirty="0" err="1"/>
+              <a:t>maskable</a:t>
+            </a:r>
+            <a:r>
+              <a:rPr lang="en-US" dirty="0"/>
+              <a:t> interrupts, debugging, task switching, and enabling of virtual 8086 execution in a protected, multitasking environment. These flags are highlighted in Figure </a:t>
+            </a:r>
+            <a:r>
+              <a:rPr lang="en-US" dirty="0" smtClean="0"/>
+              <a:t>shown in the previous page.</a:t>
+            </a:r>
+            <a:endParaRPr lang="en-US" dirty="0"/>
+          </a:p>
+          <a:p>
+            <a:pPr marL="0" indent="0" algn="just">
+              <a:buNone/>
+            </a:pPr>
+            <a:r>
+              <a:rPr lang="en-US" b="1" dirty="0"/>
+              <a:t>IF (Interrupt-Enable Flag, bit 9)</a:t>
+            </a:r>
+          </a:p>
+          <a:p>
+            <a:pPr algn="just"/>
+            <a:r>
+              <a:rPr lang="en-US" dirty="0"/>
+              <a:t>Setting IF allows the CPU to recognize external (</a:t>
+            </a:r>
+            <a:r>
+              <a:rPr lang="en-US" dirty="0" err="1"/>
+              <a:t>maskable</a:t>
+            </a:r>
+            <a:r>
+              <a:rPr lang="en-US" dirty="0"/>
+              <a:t>) interrupt requests. Clearing IF disables these interrupts. IF has no effect on either exceptions or non-</a:t>
+            </a:r>
+            <a:r>
+              <a:rPr lang="en-US" dirty="0" err="1"/>
+              <a:t>maskable</a:t>
+            </a:r>
+            <a:r>
+              <a:rPr lang="en-US" dirty="0"/>
+              <a:t> external interrupts . </a:t>
+            </a:r>
+          </a:p>
+          <a:p>
+            <a:pPr marL="0" indent="0" algn="just">
+              <a:buNone/>
+            </a:pPr>
+            <a:r>
+              <a:rPr lang="en-US" b="1" dirty="0"/>
+              <a:t>NT (Nested Task, bit 14)</a:t>
+            </a:r>
+          </a:p>
+          <a:p>
+            <a:pPr algn="just"/>
+            <a:r>
+              <a:rPr lang="en-US" dirty="0"/>
+              <a:t>The processor uses the nested task flag to control chaining of interrupted and called tasks. NT influences the operation of the IRET instruction . </a:t>
+            </a:r>
+          </a:p>
+          <a:p>
+            <a:endParaRPr lang="en-US" dirty="0"/>
+          </a:p>
+        </p:txBody>
+      </p:sp>
+    </p:spTree>
+    <p:extLst>
+      <p:ext uri="{BB962C8B-B14F-4D97-AF65-F5344CB8AC3E}">
+        <p14:creationId xmlns:p14="http://schemas.microsoft.com/office/powerpoint/2010/main" val="3869901923"/>
+      </p:ext>
+    </p:extLst>
+  </p:cSld>
+  <p:clrMapOvr>
+    <a:masterClrMapping/>
+  </p:clrMapOvr>
+</p:sld>
+</file>
+
+<file path=ppt/slides/slide18.xml><?xml version="1.0" encoding="utf-8"?>
+<p:sld xmlns:a="http://schemas.openxmlformats.org/drawingml/2006/main" xmlns:r="http://schemas.openxmlformats.org/officeDocument/2006/relationships" xmlns:p="http://schemas.openxmlformats.org/presentationml/2006/main">
+  <p:cSld>
+    <p:spTree>
+      <p:nvGrpSpPr>
+        <p:cNvPr id="1" name=""/>
+        <p:cNvGrpSpPr/>
+        <p:nvPr/>
+      </p:nvGrpSpPr>
+      <p:grpSpPr>
+        <a:xfrm>
+          <a:off x="0" y="0"/>
+          <a:ext cx="0" cy="0"/>
+          <a:chOff x="0" y="0"/>
+          <a:chExt cx="0" cy="0"/>
+        </a:xfrm>
+      </p:grpSpPr>
+      <p:sp>
+        <p:nvSpPr>
+          <p:cNvPr id="2" name="Title 1"/>
+          <p:cNvSpPr>
+            <a:spLocks noGrp="1"/>
+          </p:cNvSpPr>
+          <p:nvPr>
+            <p:ph type="title"/>
+          </p:nvPr>
+        </p:nvSpPr>
+        <p:spPr/>
+        <p:txBody>
+          <a:bodyPr/>
+          <a:lstStyle/>
+          <a:p>
+            <a:r>
+              <a:rPr lang="en-US" dirty="0"/>
+              <a:t>Extended Flags</a:t>
+            </a:r>
+          </a:p>
+        </p:txBody>
+      </p:sp>
+      <p:sp>
+        <p:nvSpPr>
+          <p:cNvPr id="3" name="Content Placeholder 2"/>
+          <p:cNvSpPr>
+            <a:spLocks noGrp="1"/>
+          </p:cNvSpPr>
+          <p:nvPr>
+            <p:ph idx="1"/>
+          </p:nvPr>
+        </p:nvSpPr>
+        <p:spPr/>
+        <p:txBody>
+          <a:bodyPr>
+            <a:normAutofit fontScale="55000" lnSpcReduction="20000"/>
+          </a:bodyPr>
+          <a:lstStyle/>
+          <a:p>
+            <a:pPr marL="0" indent="0" algn="just">
+              <a:buNone/>
+            </a:pPr>
+            <a:r>
+              <a:rPr lang="en-US" b="1" dirty="0"/>
+              <a:t>RF (Resume Flag, bit 16)</a:t>
+            </a:r>
+          </a:p>
+          <a:p>
+            <a:pPr algn="just"/>
+            <a:r>
+              <a:rPr lang="en-US" dirty="0"/>
+              <a:t>The RF flag temporarily disables debug exceptions so that an instruction can be restarted after a debug exception without immediately causing another debug exception . </a:t>
+            </a:r>
+          </a:p>
+          <a:p>
+            <a:pPr marL="0" indent="0" algn="just">
+              <a:buNone/>
+            </a:pPr>
+            <a:r>
+              <a:rPr lang="en-US" b="1" dirty="0"/>
+              <a:t>TF (Trap Flag, bit 8)</a:t>
+            </a:r>
+          </a:p>
+          <a:p>
+            <a:pPr algn="just"/>
+            <a:r>
+              <a:rPr lang="en-US" dirty="0"/>
+              <a:t>Setting TF puts the processor into single-step mode for debugging. In this mode, the CPU automatically generates an exception after each instruction, allowing a program to be inspected as it executes each instruction. Single-stepping is just one of several debugging features of the 80386 . </a:t>
+            </a:r>
+          </a:p>
+          <a:p>
+            <a:pPr marL="0" indent="0" algn="just">
+              <a:buNone/>
+            </a:pPr>
+            <a:r>
+              <a:rPr lang="en-US" b="1" dirty="0"/>
+              <a:t>VM (Virtual 8086 Mode, bit 17)</a:t>
+            </a:r>
+          </a:p>
+          <a:p>
+            <a:pPr algn="just"/>
+            <a:r>
+              <a:rPr lang="en-US" dirty="0"/>
+              <a:t>When set, the VM flag indicates that the task is executing an 8086 program . Refer to Chapter </a:t>
+            </a:r>
+            <a:r>
+              <a:rPr lang="en-US" dirty="0" smtClean="0"/>
+              <a:t>on protected mode (Barry Brey text) for </a:t>
+            </a:r>
+            <a:r>
+              <a:rPr lang="en-US" dirty="0"/>
+              <a:t>a detailed discussion of how the 80386 executes 8086 tasks in a protected, multitasking environment. </a:t>
+            </a:r>
+          </a:p>
+          <a:p>
+            <a:endParaRPr lang="en-US" dirty="0"/>
+          </a:p>
+        </p:txBody>
+      </p:sp>
+    </p:spTree>
+    <p:extLst>
+      <p:ext uri="{BB962C8B-B14F-4D97-AF65-F5344CB8AC3E}">
+        <p14:creationId xmlns:p14="http://schemas.microsoft.com/office/powerpoint/2010/main" val="2747568278"/>
+      </p:ext>
+    </p:extLst>
+  </p:cSld>
+  <p:clrMapOvr>
+    <a:masterClrMapping/>
+  </p:clrMapOvr>
+</p:sld>
+</file>
+
+<file path=ppt/slides/slide19.xml><?xml version="1.0" encoding="utf-8"?>
+<p:sld xmlns:a="http://schemas.openxmlformats.org/drawingml/2006/main" xmlns:r="http://schemas.openxmlformats.org/officeDocument/2006/relationships" xmlns:p="http://schemas.openxmlformats.org/presentationml/2006/main">
+  <p:cSld>
+    <p:spTree>
+      <p:nvGrpSpPr>
+        <p:cNvPr id="1" name=""/>
+        <p:cNvGrpSpPr/>
+        <p:nvPr/>
+      </p:nvGrpSpPr>
+      <p:grpSpPr>
+        <a:xfrm>
+          <a:off x="0" y="0"/>
+          <a:ext cx="0" cy="0"/>
+          <a:chOff x="0" y="0"/>
+          <a:chExt cx="0" cy="0"/>
+        </a:xfrm>
+      </p:grpSpPr>
+      <p:sp>
+        <p:nvSpPr>
+          <p:cNvPr id="2" name="Title 1"/>
+          <p:cNvSpPr>
+            <a:spLocks noGrp="1"/>
+          </p:cNvSpPr>
+          <p:nvPr>
+            <p:ph type="title"/>
+          </p:nvPr>
+        </p:nvSpPr>
+        <p:spPr/>
+        <p:txBody>
           <a:bodyPr>
             <a:normAutofit fontScale="90000"/>
           </a:bodyPr>
@@ -3764,7 +4117,118 @@
 </p:sld>
 </file>
 
-<file path=ppt/slides/slide17.xml><?xml version="1.0" encoding="utf-8"?>
+<file path=ppt/slides/slide2.xml><?xml version="1.0" encoding="utf-8"?>
+<p:sld xmlns:a="http://schemas.openxmlformats.org/drawingml/2006/main" xmlns:r="http://schemas.openxmlformats.org/officeDocument/2006/relationships" xmlns:p="http://schemas.openxmlformats.org/presentationml/2006/main">
+  <p:cSld>
+    <p:spTree>
+      <p:nvGrpSpPr>
+        <p:cNvPr id="1" name=""/>
+        <p:cNvGrpSpPr/>
+        <p:nvPr/>
+      </p:nvGrpSpPr>
+      <p:grpSpPr>
+        <a:xfrm>
+          <a:off x="0" y="0"/>
+          <a:ext cx="0" cy="0"/>
+          <a:chOff x="0" y="0"/>
+          <a:chExt cx="0" cy="0"/>
+        </a:xfrm>
+      </p:grpSpPr>
+      <p:sp>
+        <p:nvSpPr>
+          <p:cNvPr id="2" name="Title 1"/>
+          <p:cNvSpPr>
+            <a:spLocks noGrp="1"/>
+          </p:cNvSpPr>
+          <p:nvPr>
+            <p:ph type="title"/>
+          </p:nvPr>
+        </p:nvSpPr>
+        <p:spPr/>
+        <p:txBody>
+          <a:bodyPr/>
+          <a:lstStyle/>
+          <a:p>
+            <a:pPr algn="ctr"/>
+            <a:r>
+              <a:rPr lang="en-GB" dirty="0" smtClean="0"/>
+              <a:t>Topic</a:t>
+            </a:r>
+            <a:endParaRPr lang="en-GB" dirty="0"/>
+          </a:p>
+        </p:txBody>
+      </p:sp>
+      <p:sp>
+        <p:nvSpPr>
+          <p:cNvPr id="3" name="Content Placeholder 2"/>
+          <p:cNvSpPr>
+            <a:spLocks noGrp="1"/>
+          </p:cNvSpPr>
+          <p:nvPr>
+            <p:ph idx="1"/>
+          </p:nvPr>
+        </p:nvSpPr>
+        <p:spPr/>
+        <p:txBody>
+          <a:bodyPr>
+            <a:normAutofit/>
+          </a:bodyPr>
+          <a:lstStyle/>
+          <a:p>
+            <a:r>
+              <a:rPr lang="en-GB" sz="4000" dirty="0" smtClean="0"/>
+              <a:t>Interrupts</a:t>
+            </a:r>
+          </a:p>
+          <a:p>
+            <a:r>
+              <a:rPr lang="en-GB" sz="4000" dirty="0" smtClean="0"/>
+              <a:t>Organisation of the interrupt system</a:t>
+            </a:r>
+          </a:p>
+          <a:p>
+            <a:r>
+              <a:rPr lang="en-GB" sz="4000" dirty="0" smtClean="0"/>
+              <a:t>Interrupt vectors</a:t>
+            </a:r>
+          </a:p>
+          <a:p>
+            <a:r>
+              <a:rPr lang="en-GB" sz="4000" dirty="0" smtClean="0"/>
+              <a:t>Implementation of single and multiple Interrupts</a:t>
+            </a:r>
+            <a:r>
+              <a:rPr lang="en-GB" sz="4000" dirty="0"/>
+              <a:t/>
+            </a:r>
+            <a:br>
+              <a:rPr lang="en-GB" sz="4000" dirty="0"/>
+            </a:br>
+            <a:endParaRPr lang="en-GB" dirty="0"/>
+          </a:p>
+        </p:txBody>
+      </p:sp>
+    </p:spTree>
+    <p:extLst>
+      <p:ext uri="{BB962C8B-B14F-4D97-AF65-F5344CB8AC3E}">
+        <p14:creationId xmlns:p14="http://schemas.microsoft.com/office/powerpoint/2010/main" val="3323729037"/>
+      </p:ext>
+    </p:extLst>
+  </p:cSld>
+  <p:clrMapOvr>
+    <a:masterClrMapping/>
+  </p:clrMapOvr>
+  <p:timing>
+    <p:tnLst>
+      <p:par>
+        <p:cTn id="1" dur="indefinite" restart="never" nodeType="tmRoot"/>
+      </p:par>
+    </p:tnLst>
+  </p:timing>
+</p:sld>
+</file>
+
+<file path=ppt/slides/slide20.xml><?xml version="1.0" encoding="utf-8"?>
 <p:sld xmlns:a="http://schemas.openxmlformats.org/drawingml/2006/main" xmlns:r="http://schemas.openxmlformats.org/officeDocument/2006/relationships" xmlns:p="http://schemas.openxmlformats.org/presentationml/2006/main">
   <p:cSld>
     <p:spTree>
@@ -3850,7 +4314,7 @@
 </p:sld>
 </file>
 
-<file path=ppt/slides/slide18.xml><?xml version="1.0" encoding="utf-8"?>
+<file path=ppt/slides/slide21.xml><?xml version="1.0" encoding="utf-8"?>
 <p:sld xmlns:a="http://schemas.openxmlformats.org/drawingml/2006/main" xmlns:r="http://schemas.openxmlformats.org/officeDocument/2006/relationships" xmlns:p="http://schemas.openxmlformats.org/presentationml/2006/main">
   <p:cSld>
     <p:spTree>
@@ -3972,7 +4436,7 @@
 </p:sld>
 </file>
 
-<file path=ppt/slides/slide19.xml><?xml version="1.0" encoding="utf-8"?>
+<file path=ppt/slides/slide22.xml><?xml version="1.0" encoding="utf-8"?>
 <p:sld xmlns:a="http://schemas.openxmlformats.org/drawingml/2006/main" xmlns:r="http://schemas.openxmlformats.org/officeDocument/2006/relationships" xmlns:p="http://schemas.openxmlformats.org/presentationml/2006/main">
   <p:cSld>
     <p:spTree>
@@ -4160,118 +4624,7 @@
 </p:sld>
 </file>
 
-<file path=ppt/slides/slide2.xml><?xml version="1.0" encoding="utf-8"?>
-<p:sld xmlns:a="http://schemas.openxmlformats.org/drawingml/2006/main" xmlns:r="http://schemas.openxmlformats.org/officeDocument/2006/relationships" xmlns:p="http://schemas.openxmlformats.org/presentationml/2006/main">
-  <p:cSld>
-    <p:spTree>
-      <p:nvGrpSpPr>
-        <p:cNvPr id="1" name=""/>
-        <p:cNvGrpSpPr/>
-        <p:nvPr/>
-      </p:nvGrpSpPr>
-      <p:grpSpPr>
-        <a:xfrm>
-          <a:off x="0" y="0"/>
-          <a:ext cx="0" cy="0"/>
-          <a:chOff x="0" y="0"/>
-          <a:chExt cx="0" cy="0"/>
-        </a:xfrm>
-      </p:grpSpPr>
-      <p:sp>
-        <p:nvSpPr>
-          <p:cNvPr id="2" name="Title 1"/>
-          <p:cNvSpPr>
-            <a:spLocks noGrp="1"/>
-          </p:cNvSpPr>
-          <p:nvPr>
-            <p:ph type="title"/>
-          </p:nvPr>
-        </p:nvSpPr>
-        <p:spPr/>
-        <p:txBody>
-          <a:bodyPr/>
-          <a:lstStyle/>
-          <a:p>
-            <a:pPr algn="ctr"/>
-            <a:r>
-              <a:rPr lang="en-GB" dirty="0" smtClean="0"/>
-              <a:t>Topic</a:t>
-            </a:r>
-            <a:endParaRPr lang="en-GB" dirty="0"/>
-          </a:p>
-        </p:txBody>
-      </p:sp>
-      <p:sp>
-        <p:nvSpPr>
-          <p:cNvPr id="3" name="Content Placeholder 2"/>
-          <p:cNvSpPr>
-            <a:spLocks noGrp="1"/>
-          </p:cNvSpPr>
-          <p:nvPr>
-            <p:ph idx="1"/>
-          </p:nvPr>
-        </p:nvSpPr>
-        <p:spPr/>
-        <p:txBody>
-          <a:bodyPr>
-            <a:normAutofit/>
-          </a:bodyPr>
-          <a:lstStyle/>
-          <a:p>
-            <a:r>
-              <a:rPr lang="en-GB" sz="4000" dirty="0" smtClean="0"/>
-              <a:t>Interrupts</a:t>
-            </a:r>
-          </a:p>
-          <a:p>
-            <a:r>
-              <a:rPr lang="en-GB" sz="4000" dirty="0" smtClean="0"/>
-              <a:t>Organisation of the interrupt system</a:t>
-            </a:r>
-          </a:p>
-          <a:p>
-            <a:r>
-              <a:rPr lang="en-GB" sz="4000" dirty="0" smtClean="0"/>
-              <a:t>Interrupt vectors</a:t>
-            </a:r>
-          </a:p>
-          <a:p>
-            <a:r>
-              <a:rPr lang="en-GB" sz="4000" dirty="0" smtClean="0"/>
-              <a:t>Implementation of single and multiple Interrupts</a:t>
-            </a:r>
-            <a:r>
-              <a:rPr lang="en-GB" sz="4000" dirty="0"/>
-              <a:t/>
-            </a:r>
-            <a:br>
-              <a:rPr lang="en-GB" sz="4000" dirty="0"/>
-            </a:br>
-            <a:endParaRPr lang="en-GB" dirty="0"/>
-          </a:p>
-        </p:txBody>
-      </p:sp>
-    </p:spTree>
-    <p:extLst>
-      <p:ext uri="{BB962C8B-B14F-4D97-AF65-F5344CB8AC3E}">
-        <p14:creationId xmlns:p14="http://schemas.microsoft.com/office/powerpoint/2010/main" val="3323729037"/>
-      </p:ext>
-    </p:extLst>
-  </p:cSld>
-  <p:clrMapOvr>
-    <a:masterClrMapping/>
-  </p:clrMapOvr>
-  <p:timing>
-    <p:tnLst>
-      <p:par>
-        <p:cTn id="1" dur="indefinite" restart="never" nodeType="tmRoot"/>
-      </p:par>
-    </p:tnLst>
-  </p:timing>
-</p:sld>
-</file>
-
-<file path=ppt/slides/slide20.xml><?xml version="1.0" encoding="utf-8"?>
+<file path=ppt/slides/slide23.xml><?xml version="1.0" encoding="utf-8"?>
 <p:sld xmlns:a="http://schemas.openxmlformats.org/drawingml/2006/main" xmlns:r="http://schemas.openxmlformats.org/officeDocument/2006/relationships" xmlns:p="http://schemas.openxmlformats.org/presentationml/2006/main">
   <p:cSld>
     <p:spTree>
@@ -4368,7 +4721,7 @@
 </p:sld>
 </file>
 
-<file path=ppt/slides/slide21.xml><?xml version="1.0" encoding="utf-8"?>
+<file path=ppt/slides/slide24.xml><?xml version="1.0" encoding="utf-8"?>
 <p:sld xmlns:a="http://schemas.openxmlformats.org/drawingml/2006/main" xmlns:r="http://schemas.openxmlformats.org/officeDocument/2006/relationships" xmlns:p="http://schemas.openxmlformats.org/presentationml/2006/main">
   <p:cSld>
     <p:spTree>
@@ -4469,7 +4822,7 @@
 </p:sld>
 </file>
 
-<file path=ppt/slides/slide22.xml><?xml version="1.0" encoding="utf-8"?>
+<file path=ppt/slides/slide25.xml><?xml version="1.0" encoding="utf-8"?>
 <p:sld xmlns:a="http://schemas.openxmlformats.org/drawingml/2006/main" xmlns:r="http://schemas.openxmlformats.org/officeDocument/2006/relationships" xmlns:p="http://schemas.openxmlformats.org/presentationml/2006/main">
   <p:cSld>
     <p:spTree>
@@ -4584,7 +4937,7 @@
 </p:sld>
 </file>
 
-<file path=ppt/slides/slide23.xml><?xml version="1.0" encoding="utf-8"?>
+<file path=ppt/slides/slide26.xml><?xml version="1.0" encoding="utf-8"?>
 <p:sld xmlns:a="http://schemas.openxmlformats.org/drawingml/2006/main" xmlns:r="http://schemas.openxmlformats.org/officeDocument/2006/relationships" xmlns:p="http://schemas.openxmlformats.org/presentationml/2006/main">
   <p:cSld>
     <p:spTree>
@@ -4691,7 +5044,7 @@
 </p:sld>
 </file>
 
-<file path=ppt/slides/slide24.xml><?xml version="1.0" encoding="utf-8"?>
+<file path=ppt/slides/slide27.xml><?xml version="1.0" encoding="utf-8"?>
 <p:sld xmlns:a="http://schemas.openxmlformats.org/drawingml/2006/main" xmlns:r="http://schemas.openxmlformats.org/officeDocument/2006/relationships" xmlns:p="http://schemas.openxmlformats.org/presentationml/2006/main">
   <p:cSld>
     <p:spTree>
@@ -4780,7 +5133,7 @@
 </p:sld>
 </file>
 
-<file path=ppt/slides/slide25.xml><?xml version="1.0" encoding="utf-8"?>
+<file path=ppt/slides/slide28.xml><?xml version="1.0" encoding="utf-8"?>
 <p:sld xmlns:a="http://schemas.openxmlformats.org/drawingml/2006/main" xmlns:r="http://schemas.openxmlformats.org/officeDocument/2006/relationships" xmlns:p="http://schemas.openxmlformats.org/presentationml/2006/main">
   <p:cSld>
     <p:spTree>
@@ -4916,7 +5269,7 @@
 </p:sld>
 </file>
 
-<file path=ppt/slides/slide26.xml><?xml version="1.0" encoding="utf-8"?>
+<file path=ppt/slides/slide29.xml><?xml version="1.0" encoding="utf-8"?>
 <p:sld xmlns:a="http://schemas.openxmlformats.org/drawingml/2006/main" xmlns:r="http://schemas.openxmlformats.org/officeDocument/2006/relationships" xmlns:p="http://schemas.openxmlformats.org/presentationml/2006/main">
   <p:cSld>
     <p:spTree>
@@ -5040,7 +5393,119 @@
 </p:sld>
 </file>
 
-<file path=ppt/slides/slide27.xml><?xml version="1.0" encoding="utf-8"?>
+<file path=ppt/slides/slide3.xml><?xml version="1.0" encoding="utf-8"?>
+<p:sld xmlns:a="http://schemas.openxmlformats.org/drawingml/2006/main" xmlns:r="http://schemas.openxmlformats.org/officeDocument/2006/relationships" xmlns:p="http://schemas.openxmlformats.org/presentationml/2006/main">
+  <p:cSld>
+    <p:spTree>
+      <p:nvGrpSpPr>
+        <p:cNvPr id="1" name=""/>
+        <p:cNvGrpSpPr/>
+        <p:nvPr/>
+      </p:nvGrpSpPr>
+      <p:grpSpPr>
+        <a:xfrm>
+          <a:off x="0" y="0"/>
+          <a:ext cx="0" cy="0"/>
+          <a:chOff x="0" y="0"/>
+          <a:chExt cx="0" cy="0"/>
+        </a:xfrm>
+      </p:grpSpPr>
+      <p:sp>
+        <p:nvSpPr>
+          <p:cNvPr id="2" name="Title 1"/>
+          <p:cNvSpPr>
+            <a:spLocks noGrp="1"/>
+          </p:cNvSpPr>
+          <p:nvPr>
+            <p:ph type="title"/>
+          </p:nvPr>
+        </p:nvSpPr>
+        <p:spPr/>
+        <p:txBody>
+          <a:bodyPr/>
+          <a:lstStyle/>
+          <a:p>
+            <a:r>
+              <a:rPr lang="en-GB" dirty="0" smtClean="0"/>
+              <a:t>Interrupts</a:t>
+            </a:r>
+            <a:endParaRPr lang="en-GB" dirty="0"/>
+          </a:p>
+        </p:txBody>
+      </p:sp>
+      <p:sp>
+        <p:nvSpPr>
+          <p:cNvPr id="3" name="Content Placeholder 2"/>
+          <p:cNvSpPr>
+            <a:spLocks noGrp="1"/>
+          </p:cNvSpPr>
+          <p:nvPr>
+            <p:ph idx="1"/>
+          </p:nvPr>
+        </p:nvSpPr>
+        <p:spPr/>
+        <p:txBody>
+          <a:bodyPr>
+            <a:normAutofit fontScale="85000" lnSpcReduction="10000"/>
+          </a:bodyPr>
+          <a:lstStyle/>
+          <a:p>
+            <a:pPr algn="just"/>
+            <a:r>
+              <a:rPr lang="en-GB" dirty="0" smtClean="0"/>
+              <a:t>When you come to my office, and I have other business to attend to, I tell you to come back later. </a:t>
+            </a:r>
+          </a:p>
+          <a:p>
+            <a:pPr algn="just"/>
+            <a:r>
+              <a:rPr lang="en-GB" dirty="0" smtClean="0"/>
+              <a:t>What if you were with your Parents, out of a sense of respect, I will not do the same.</a:t>
+            </a:r>
+          </a:p>
+          <a:p>
+            <a:pPr algn="just"/>
+            <a:r>
+              <a:rPr lang="en-GB" dirty="0" smtClean="0"/>
+              <a:t>The smarter thing would be to stop my present activity and take care of your case.</a:t>
+            </a:r>
+          </a:p>
+          <a:p>
+            <a:pPr algn="just"/>
+            <a:r>
+              <a:rPr lang="en-GB" dirty="0" smtClean="0"/>
+              <a:t>In this case, human memory serves me because I will probably need to remember where I left off in that activity when I am through with you and your parents.</a:t>
+            </a:r>
+          </a:p>
+          <a:p>
+            <a:pPr marL="0" indent="0" algn="just">
+              <a:buNone/>
+            </a:pPr>
+            <a:endParaRPr lang="en-GB" dirty="0"/>
+          </a:p>
+        </p:txBody>
+      </p:sp>
+    </p:spTree>
+    <p:extLst>
+      <p:ext uri="{BB962C8B-B14F-4D97-AF65-F5344CB8AC3E}">
+        <p14:creationId xmlns:p14="http://schemas.microsoft.com/office/powerpoint/2010/main" val="1364422218"/>
+      </p:ext>
+    </p:extLst>
+  </p:cSld>
+  <p:clrMapOvr>
+    <a:masterClrMapping/>
+  </p:clrMapOvr>
+  <p:timing>
+    <p:tnLst>
+      <p:par>
+        <p:cTn id="1" dur="indefinite" restart="never" nodeType="tmRoot"/>
+      </p:par>
+    </p:tnLst>
+  </p:timing>
+</p:sld>
+</file>
+
+<file path=ppt/slides/slide30.xml><?xml version="1.0" encoding="utf-8"?>
 <p:sld xmlns:a="http://schemas.openxmlformats.org/drawingml/2006/main" xmlns:r="http://schemas.openxmlformats.org/officeDocument/2006/relationships" xmlns:p="http://schemas.openxmlformats.org/presentationml/2006/main">
   <p:cSld>
     <p:spTree>
@@ -5141,7 +5606,7 @@
 </p:sld>
 </file>
 
-<file path=ppt/slides/slide28.xml><?xml version="1.0" encoding="utf-8"?>
+<file path=ppt/slides/slide31.xml><?xml version="1.0" encoding="utf-8"?>
 <p:sld xmlns:a="http://schemas.openxmlformats.org/drawingml/2006/main" xmlns:r="http://schemas.openxmlformats.org/officeDocument/2006/relationships" xmlns:p="http://schemas.openxmlformats.org/presentationml/2006/main">
   <p:cSld>
     <p:spTree>
@@ -5248,7 +5713,7 @@
 </p:sld>
 </file>
 
-<file path=ppt/slides/slide29.xml><?xml version="1.0" encoding="utf-8"?>
+<file path=ppt/slides/slide32.xml><?xml version="1.0" encoding="utf-8"?>
 <p:sld xmlns:a="http://schemas.openxmlformats.org/drawingml/2006/main" xmlns:r="http://schemas.openxmlformats.org/officeDocument/2006/relationships" xmlns:p="http://schemas.openxmlformats.org/presentationml/2006/main">
   <p:cSld>
     <p:spTree>
@@ -5367,119 +5832,7 @@
 </p:sld>
 </file>
 
-<file path=ppt/slides/slide3.xml><?xml version="1.0" encoding="utf-8"?>
-<p:sld xmlns:a="http://schemas.openxmlformats.org/drawingml/2006/main" xmlns:r="http://schemas.openxmlformats.org/officeDocument/2006/relationships" xmlns:p="http://schemas.openxmlformats.org/presentationml/2006/main">
-  <p:cSld>
-    <p:spTree>
-      <p:nvGrpSpPr>
-        <p:cNvPr id="1" name=""/>
-        <p:cNvGrpSpPr/>
-        <p:nvPr/>
-      </p:nvGrpSpPr>
-      <p:grpSpPr>
-        <a:xfrm>
-          <a:off x="0" y="0"/>
-          <a:ext cx="0" cy="0"/>
-          <a:chOff x="0" y="0"/>
-          <a:chExt cx="0" cy="0"/>
-        </a:xfrm>
-      </p:grpSpPr>
-      <p:sp>
-        <p:nvSpPr>
-          <p:cNvPr id="2" name="Title 1"/>
-          <p:cNvSpPr>
-            <a:spLocks noGrp="1"/>
-          </p:cNvSpPr>
-          <p:nvPr>
-            <p:ph type="title"/>
-          </p:nvPr>
-        </p:nvSpPr>
-        <p:spPr/>
-        <p:txBody>
-          <a:bodyPr/>
-          <a:lstStyle/>
-          <a:p>
-            <a:r>
-              <a:rPr lang="en-GB" dirty="0" smtClean="0"/>
-              <a:t>Interrupts</a:t>
-            </a:r>
-            <a:endParaRPr lang="en-GB" dirty="0"/>
-          </a:p>
-        </p:txBody>
-      </p:sp>
-      <p:sp>
-        <p:nvSpPr>
-          <p:cNvPr id="3" name="Content Placeholder 2"/>
-          <p:cNvSpPr>
-            <a:spLocks noGrp="1"/>
-          </p:cNvSpPr>
-          <p:nvPr>
-            <p:ph idx="1"/>
-          </p:nvPr>
-        </p:nvSpPr>
-        <p:spPr/>
-        <p:txBody>
-          <a:bodyPr>
-            <a:normAutofit fontScale="85000" lnSpcReduction="10000"/>
-          </a:bodyPr>
-          <a:lstStyle/>
-          <a:p>
-            <a:pPr algn="just"/>
-            <a:r>
-              <a:rPr lang="en-GB" dirty="0" smtClean="0"/>
-              <a:t>When you come to my office, and I have other business to attend to, I tell you to come back later. </a:t>
-            </a:r>
-          </a:p>
-          <a:p>
-            <a:pPr algn="just"/>
-            <a:r>
-              <a:rPr lang="en-GB" dirty="0" smtClean="0"/>
-              <a:t>What if you were with your Parents, out of a sense of respect, I will not do the same.</a:t>
-            </a:r>
-          </a:p>
-          <a:p>
-            <a:pPr algn="just"/>
-            <a:r>
-              <a:rPr lang="en-GB" dirty="0" smtClean="0"/>
-              <a:t>The smarter thing would be to stop my present activity and take care of your case.</a:t>
-            </a:r>
-          </a:p>
-          <a:p>
-            <a:pPr algn="just"/>
-            <a:r>
-              <a:rPr lang="en-GB" dirty="0" smtClean="0"/>
-              <a:t>In this case, human memory serves me because I will probably need to remember where I left off in that activity when I am through with you and your parents.</a:t>
-            </a:r>
-          </a:p>
-          <a:p>
-            <a:pPr marL="0" indent="0" algn="just">
-              <a:buNone/>
-            </a:pPr>
-            <a:endParaRPr lang="en-GB" dirty="0"/>
-          </a:p>
-        </p:txBody>
-      </p:sp>
-    </p:spTree>
-    <p:extLst>
-      <p:ext uri="{BB962C8B-B14F-4D97-AF65-F5344CB8AC3E}">
-        <p14:creationId xmlns:p14="http://schemas.microsoft.com/office/powerpoint/2010/main" val="1364422218"/>
-      </p:ext>
-    </p:extLst>
-  </p:cSld>
-  <p:clrMapOvr>
-    <a:masterClrMapping/>
-  </p:clrMapOvr>
-  <p:timing>
-    <p:tnLst>
-      <p:par>
-        <p:cTn id="1" dur="indefinite" restart="never" nodeType="tmRoot"/>
-      </p:par>
-    </p:tnLst>
-  </p:timing>
-</p:sld>
-</file>
-
-<file path=ppt/slides/slide30.xml><?xml version="1.0" encoding="utf-8"?>
+<file path=ppt/slides/slide33.xml><?xml version="1.0" encoding="utf-8"?>
 <p:sld xmlns:a="http://schemas.openxmlformats.org/drawingml/2006/main" xmlns:r="http://schemas.openxmlformats.org/officeDocument/2006/relationships" xmlns:p="http://schemas.openxmlformats.org/presentationml/2006/main">
   <p:cSld>
     <p:spTree>
@@ -5598,7 +5951,7 @@
 </p:sld>
 </file>
 
-<file path=ppt/slides/slide31.xml><?xml version="1.0" encoding="utf-8"?>
+<file path=ppt/slides/slide34.xml><?xml version="1.0" encoding="utf-8"?>
 <p:sld xmlns:a="http://schemas.openxmlformats.org/drawingml/2006/main" xmlns:r="http://schemas.openxmlformats.org/officeDocument/2006/relationships" xmlns:p="http://schemas.openxmlformats.org/presentationml/2006/main">
   <p:cSld>
     <p:spTree>
@@ -5697,7 +6050,7 @@
 </p:sld>
 </file>
 
-<file path=ppt/slides/slide32.xml><?xml version="1.0" encoding="utf-8"?>
+<file path=ppt/slides/slide35.xml><?xml version="1.0" encoding="utf-8"?>
 <p:sld xmlns:a="http://schemas.openxmlformats.org/drawingml/2006/main" xmlns:r="http://schemas.openxmlformats.org/officeDocument/2006/relationships" xmlns:p="http://schemas.openxmlformats.org/presentationml/2006/main">
   <p:cSld>
     <p:spTree>
@@ -5862,7 +6215,7 @@
 </p:sld>
 </file>
 
-<file path=ppt/slides/slide33.xml><?xml version="1.0" encoding="utf-8"?>
+<file path=ppt/slides/slide36.xml><?xml version="1.0" encoding="utf-8"?>
 <p:sld xmlns:a="http://schemas.openxmlformats.org/drawingml/2006/main" xmlns:r="http://schemas.openxmlformats.org/officeDocument/2006/relationships" xmlns:p="http://schemas.openxmlformats.org/presentationml/2006/main">
   <p:cSld>
     <p:spTree>
@@ -5938,7 +6291,7 @@
 </p:sld>
 </file>
 
-<file path=ppt/slides/slide34.xml><?xml version="1.0" encoding="utf-8"?>
+<file path=ppt/slides/slide37.xml><?xml version="1.0" encoding="utf-8"?>
 <p:sld xmlns:a="http://schemas.openxmlformats.org/drawingml/2006/main" xmlns:r="http://schemas.openxmlformats.org/officeDocument/2006/relationships" xmlns:p="http://schemas.openxmlformats.org/presentationml/2006/main">
   <p:cSld>
     <p:spTree>
